--- a/XX_section/disc08.pptx
+++ b/XX_section/disc08.pptx
@@ -312,6 +312,11 @@
       </a:defRPr>
     </a:lvl9pPr>
   </p:defaultTextStyle>
+  <p:extLst>
+    <p:ext uri="{EFAFB233-063F-42B5-8137-9DF3F51BA10A}">
+      <p15:sldGuideLst xmlns:p15="http://schemas.microsoft.com/office/powerpoint/2012/main"/>
+    </p:ext>
+  </p:extLst>
 </p:presentation>
 </file>
 
@@ -2152,7 +2157,7 @@
           </a:ln>
           <a:extLst>
             <a:ext uri="{C572A759-6A51-4108-AA02-DFA0A04FC94B}">
-              <ma14:wrappingTextBoxFlag xmlns:ma14="http://schemas.microsoft.com/office/mac/drawingml/2011/main" xmlns:a14="http://schemas.microsoft.com/office/drawing/2010/main" xmlns:m="http://schemas.openxmlformats.org/officeDocument/2006/math" xmlns="" val="1"/>
+              <ma14:wrappingTextBoxFlag xmlns="" xmlns:m="http://schemas.openxmlformats.org/officeDocument/2006/math" xmlns:a14="http://schemas.microsoft.com/office/drawing/2010/main" xmlns:ma14="http://schemas.microsoft.com/office/mac/drawingml/2011/main" val="1"/>
             </a:ext>
           </a:extLst>
         </p:spPr>
@@ -2191,7 +2196,7 @@
           </a:ln>
           <a:extLst>
             <a:ext uri="{C572A759-6A51-4108-AA02-DFA0A04FC94B}">
-              <ma14:wrappingTextBoxFlag xmlns:ma14="http://schemas.microsoft.com/office/mac/drawingml/2011/main" xmlns:a14="http://schemas.microsoft.com/office/drawing/2010/main" xmlns:m="http://schemas.openxmlformats.org/officeDocument/2006/math" xmlns="" val="1"/>
+              <ma14:wrappingTextBoxFlag xmlns="" xmlns:m="http://schemas.openxmlformats.org/officeDocument/2006/math" xmlns:a14="http://schemas.microsoft.com/office/drawing/2010/main" xmlns:ma14="http://schemas.microsoft.com/office/mac/drawingml/2011/main" val="1"/>
             </a:ext>
           </a:extLst>
         </p:spPr>
@@ -3126,6 +3131,87 @@
           </a:ln>
           <a:extLst>
             <a:ext uri="{C572A759-6A51-4108-AA02-DFA0A04FC94B}">
+              <ma14:wrappingTextBoxFlag xmlns="" xmlns:m="http://schemas.openxmlformats.org/officeDocument/2006/math" xmlns:a14="http://schemas.microsoft.com/office/drawing/2010/main" xmlns:ma14="http://schemas.microsoft.com/office/mac/drawingml/2011/main" val="1"/>
+            </a:ext>
+          </a:extLst>
+        </p:spPr>
+        <p:txBody>
+          <a:bodyPr lIns="50800" tIns="50800" rIns="50800" bIns="50800">
+            <a:normAutofit/>
+          </a:bodyPr>
+          <a:lstStyle/>
+          <a:p>
+            <a:pPr>
+              <a:spcBef>
+                <a:spcPts val="0"/>
+              </a:spcBef>
+              <a:defRPr sz="3600"/>
+            </a:pPr>
+            <a:r>
+              <a:rPr dirty="0"/>
+              <a:t>Learning goals:</a:t>
+            </a:r>
+          </a:p>
+          <a:p>
+            <a:pPr marL="714375" indent="-714375">
+              <a:spcBef>
+                <a:spcPts val="0"/>
+              </a:spcBef>
+              <a:buSzPct val="125000"/>
+              <a:buChar char="•"/>
+              <a:defRPr sz="3600"/>
+            </a:pPr>
+            <a:r>
+              <a:rPr dirty="0"/>
+              <a:t>Make progress on A</a:t>
+            </a:r>
+            <a:r>
+              <a:rPr lang="en-US" altLang="zh-CN" dirty="0"/>
+              <a:t>4</a:t>
+            </a:r>
+            <a:endParaRPr dirty="0"/>
+          </a:p>
+          <a:p>
+            <a:pPr marL="714375" indent="-714375">
+              <a:spcBef>
+                <a:spcPts val="0"/>
+              </a:spcBef>
+              <a:buSzPct val="125000"/>
+              <a:buChar char="•"/>
+              <a:defRPr sz="3600"/>
+            </a:pPr>
+            <a:r>
+              <a:rPr dirty="0"/>
+              <a:t>Make progress on final projects</a:t>
+            </a:r>
+          </a:p>
+        </p:txBody>
+      </p:sp>
+      <p:sp>
+        <p:nvSpPr>
+          <p:cNvPr id="2" name="wmccarthy@ucsd.edu…">
+            <a:extLst>
+              <a:ext uri="{FF2B5EF4-FFF2-40B4-BE49-F238E27FC236}">
+                <a16:creationId xmlns:a16="http://schemas.microsoft.com/office/drawing/2014/main" id="{93D05BB4-D871-5BC1-4CB5-CA7E430FE701}"/>
+              </a:ext>
+            </a:extLst>
+          </p:cNvPr>
+          <p:cNvSpPr txBox="1"/>
+          <p:nvPr/>
+        </p:nvSpPr>
+        <p:spPr>
+          <a:xfrm>
+            <a:off x="12192000" y="8608615"/>
+            <a:ext cx="10860543" cy="3860561"/>
+          </a:xfrm>
+          <a:prstGeom prst="rect">
+            <a:avLst/>
+          </a:prstGeom>
+          <a:ln w="12700">
+            <a:miter lim="400000"/>
+          </a:ln>
+          <a:extLst>
+            <a:ext uri="{C572A759-6A51-4108-AA02-DFA0A04FC94B}">
               <ma14:wrappingTextBoxFlag xmlns:ma14="http://schemas.microsoft.com/office/mac/drawingml/2011/main" xmlns:a14="http://schemas.microsoft.com/office/drawing/2010/main" xmlns:m="http://schemas.openxmlformats.org/officeDocument/2006/math" xmlns="" val="1"/>
             </a:ext>
           </a:extLst>
@@ -3140,44 +3226,31 @@
               <a:spcBef>
                 <a:spcPts val="0"/>
               </a:spcBef>
-              <a:defRPr sz="3600"/>
             </a:pPr>
             <a:r>
-              <a:rPr dirty="0"/>
-              <a:t>Learning goals:</a:t>
-            </a:r>
-          </a:p>
-          <a:p>
-            <a:pPr marL="714375" indent="-714375">
+              <a:rPr lang="en-US" u="sng" dirty="0">
+                <a:hlinkClick r:id="rId2"/>
+              </a:rPr>
+              <a:t>yyt005@ucsd.edu</a:t>
+            </a:r>
+          </a:p>
+          <a:p>
+            <a:pPr>
               <a:spcBef>
                 <a:spcPts val="0"/>
               </a:spcBef>
-              <a:buSzPct val="125000"/>
-              <a:buChar char="•"/>
-              <a:defRPr sz="3600"/>
             </a:pPr>
             <a:r>
-              <a:rPr dirty="0"/>
-              <a:t>Make progress on A</a:t>
-            </a:r>
-            <a:r>
-              <a:rPr lang="en-US" altLang="zh-CN" dirty="0"/>
-              <a:t>4</a:t>
-            </a:r>
-            <a:endParaRPr dirty="0"/>
-          </a:p>
-          <a:p>
-            <a:pPr marL="714375" indent="-714375">
-              <a:spcBef>
-                <a:spcPts val="0"/>
-              </a:spcBef>
-              <a:buSzPct val="125000"/>
-              <a:buChar char="•"/>
-              <a:defRPr sz="3600"/>
-            </a:pPr>
-            <a:r>
-              <a:rPr dirty="0"/>
-              <a:t>Make progress on final projects</a:t>
+              <a:rPr lang="en-US" dirty="0"/>
+              <a:t>OH: Mon 10-11am at https://</a:t>
+            </a:r>
+            <a:r>
+              <a:rPr lang="en-US" dirty="0" err="1"/>
+              <a:t>ucsd.zoom.us</a:t>
+            </a:r>
+            <a:r>
+              <a:rPr lang="en-US" dirty="0"/>
+              <a:t>/j/91239338091</a:t>
             </a:r>
           </a:p>
         </p:txBody>
